--- a/DRIVER DROWSINESS DETECTION  WITH DEEP LEARNING ON NEURAl.pptx
+++ b/DRIVER DROWSINESS DETECTION  WITH DEEP LEARNING ON NEURAl.pptx
@@ -15314,7 +15314,7 @@
                 <a:ea typeface="Tahoma" panose="020B0604030504040204" pitchFamily="34" charset="0"/>
                 <a:cs typeface="Tahoma" panose="020B0604030504040204" pitchFamily="34" charset="0"/>
               </a:rPr>
-              <a:t>To predict drowsiness, numerous works of literature have proposed different drowsiness detection systems and tools, including those that use normal cameras, Infrared (IR) cameras, and stereo cameras. </a:t>
+              <a:t>To predict drowsiness, numerous works of literature have proposed different drowsiness detection systems and tools.</a:t>
             </a:r>
             <a:endParaRPr lang="en-US" sz="2000" dirty="0">
               <a:latin typeface="Tahoma" panose="020B0604030504040204" pitchFamily="34" charset="0"/>
@@ -15361,7 +15361,7 @@
               </a:rPr>
               <a:t>There are also eye-tracking-based driver drowsiness systems, such as Said et al.'s, which provide high accuracy in indoor and outdoor settings [2].</a:t>
             </a:r>
-            <a:endParaRPr lang="en-US" sz="2000" dirty="0">
+            <a:endParaRPr lang="en-IN" sz="2000" dirty="0">
               <a:latin typeface="Tahoma" panose="020B0604030504040204" pitchFamily="34" charset="0"/>
               <a:ea typeface="Tahoma" panose="020B0604030504040204" pitchFamily="34" charset="0"/>
               <a:cs typeface="Tahoma" panose="020B0604030504040204" pitchFamily="34" charset="0"/>
@@ -15373,8 +15373,27 @@
                 <a:latin typeface="Tahoma" panose="020B0604030504040204" pitchFamily="34" charset="0"/>
                 <a:ea typeface="Tahoma" panose="020B0604030504040204" pitchFamily="34" charset="0"/>
                 <a:cs typeface="Tahoma" panose="020B0604030504040204" pitchFamily="34" charset="0"/>
+                <a:sym typeface="+mn-ea"/>
               </a:rPr>
-              <a:t>Mehta et al. developed a mobile app that can detect facial landmarks to predict driver drowsiness with an accuracy of 84% based on machine learning models.</a:t>
+              <a:t>Smart glass developed by </a:t>
+            </a:r>
+            <a:r>
+              <a:rPr lang="en-IN" sz="2000" dirty="0" err="1">
+                <a:latin typeface="Tahoma" panose="020B0604030504040204" pitchFamily="34" charset="0"/>
+                <a:ea typeface="Tahoma" panose="020B0604030504040204" pitchFamily="34" charset="0"/>
+                <a:cs typeface="Tahoma" panose="020B0604030504040204" pitchFamily="34" charset="0"/>
+                <a:sym typeface="+mn-ea"/>
+              </a:rPr>
+              <a:t>Ellcie</a:t>
+            </a:r>
+            <a:r>
+              <a:rPr lang="en-IN" sz="2000" dirty="0">
+                <a:latin typeface="Tahoma" panose="020B0604030504040204" pitchFamily="34" charset="0"/>
+                <a:ea typeface="Tahoma" panose="020B0604030504040204" pitchFamily="34" charset="0"/>
+                <a:cs typeface="Tahoma" panose="020B0604030504040204" pitchFamily="34" charset="0"/>
+                <a:sym typeface="+mn-ea"/>
+              </a:rPr>
+              <a:t>-Healthy incorporates a somnolence monitoring technology that provides blink detection, eye recording, and control of vital signs</a:t>
             </a:r>
             <a:endParaRPr lang="en-IN" sz="2000" dirty="0">
               <a:latin typeface="Tahoma" panose="020B0604030504040204" pitchFamily="34" charset="0"/>
@@ -15476,42 +15495,6 @@
             <a:noAutofit/>
           </a:bodyPr>
           <a:lstStyle/>
-          <a:p>
-            <a:pPr>
-              <a:lnSpc>
-                <a:spcPct val="100000"/>
-              </a:lnSpc>
-            </a:pPr>
-            <a:r>
-              <a:rPr lang="en-IN" sz="2000" dirty="0">
-                <a:latin typeface="Tahoma" panose="020B0604030504040204" pitchFamily="34" charset="0"/>
-                <a:ea typeface="Tahoma" panose="020B0604030504040204" pitchFamily="34" charset="0"/>
-                <a:cs typeface="Tahoma" panose="020B0604030504040204" pitchFamily="34" charset="0"/>
-              </a:rPr>
-              <a:t>Smart glass developed by </a:t>
-            </a:r>
-            <a:r>
-              <a:rPr lang="en-IN" sz="2000" dirty="0" err="1">
-                <a:latin typeface="Tahoma" panose="020B0604030504040204" pitchFamily="34" charset="0"/>
-                <a:ea typeface="Tahoma" panose="020B0604030504040204" pitchFamily="34" charset="0"/>
-                <a:cs typeface="Tahoma" panose="020B0604030504040204" pitchFamily="34" charset="0"/>
-              </a:rPr>
-              <a:t>Ellcie</a:t>
-            </a:r>
-            <a:r>
-              <a:rPr lang="en-IN" sz="2000" dirty="0">
-                <a:latin typeface="Tahoma" panose="020B0604030504040204" pitchFamily="34" charset="0"/>
-                <a:ea typeface="Tahoma" panose="020B0604030504040204" pitchFamily="34" charset="0"/>
-                <a:cs typeface="Tahoma" panose="020B0604030504040204" pitchFamily="34" charset="0"/>
-              </a:rPr>
-              <a:t>-Healthy incorporates a somnolence monitoring technology that provides blink detection, eye recording, and control of vital signs</a:t>
-            </a:r>
-            <a:endParaRPr lang="en-IN" sz="2000" dirty="0">
-              <a:latin typeface="Tahoma" panose="020B0604030504040204" pitchFamily="34" charset="0"/>
-              <a:ea typeface="Tahoma" panose="020B0604030504040204" pitchFamily="34" charset="0"/>
-              <a:cs typeface="Tahoma" panose="020B0604030504040204" pitchFamily="34" charset="0"/>
-            </a:endParaRPr>
-          </a:p>
           <a:p>
             <a:pPr>
               <a:lnSpc>
@@ -15893,7 +15876,7 @@
               <a:rPr lang="en-US" sz="4400" dirty="0">
                 <a:latin typeface="Rockwell" panose="02060603020205020403" pitchFamily="18" charset="0"/>
               </a:rPr>
-              <a:t>Proposed system cont</a:t>
+              <a:t>Proposed system</a:t>
             </a:r>
             <a:endParaRPr lang="en-US" sz="4400" dirty="0">
               <a:latin typeface="Rockwell" panose="02060603020205020403" pitchFamily="18" charset="0"/>
